--- a/__Documents__/VIPClean_Architecture.pptx
+++ b/__Documents__/VIPClean_Architecture.pptx
@@ -263,7 +263,7 @@
           <a:p>
             <a:fld id="{1E6B4382-43F7-6448-A9AB-EA28434C2B2F}" type="datetimeFigureOut">
               <a:rPr lang="en-PT" smtClean="0"/>
-              <a:t>15/05/2020</a:t>
+              <a:t>17/05/2020</a:t>
             </a:fld>
             <a:endParaRPr lang="en-PT"/>
           </a:p>
@@ -463,7 +463,7 @@
           <a:p>
             <a:fld id="{1E6B4382-43F7-6448-A9AB-EA28434C2B2F}" type="datetimeFigureOut">
               <a:rPr lang="en-PT" smtClean="0"/>
-              <a:t>15/05/2020</a:t>
+              <a:t>17/05/2020</a:t>
             </a:fld>
             <a:endParaRPr lang="en-PT"/>
           </a:p>
@@ -673,7 +673,7 @@
           <a:p>
             <a:fld id="{1E6B4382-43F7-6448-A9AB-EA28434C2B2F}" type="datetimeFigureOut">
               <a:rPr lang="en-PT" smtClean="0"/>
-              <a:t>15/05/2020</a:t>
+              <a:t>17/05/2020</a:t>
             </a:fld>
             <a:endParaRPr lang="en-PT"/>
           </a:p>
@@ -873,7 +873,7 @@
           <a:p>
             <a:fld id="{1E6B4382-43F7-6448-A9AB-EA28434C2B2F}" type="datetimeFigureOut">
               <a:rPr lang="en-PT" smtClean="0"/>
-              <a:t>15/05/2020</a:t>
+              <a:t>17/05/2020</a:t>
             </a:fld>
             <a:endParaRPr lang="en-PT"/>
           </a:p>
@@ -1149,7 +1149,7 @@
           <a:p>
             <a:fld id="{1E6B4382-43F7-6448-A9AB-EA28434C2B2F}" type="datetimeFigureOut">
               <a:rPr lang="en-PT" smtClean="0"/>
-              <a:t>15/05/2020</a:t>
+              <a:t>17/05/2020</a:t>
             </a:fld>
             <a:endParaRPr lang="en-PT"/>
           </a:p>
@@ -1417,7 +1417,7 @@
           <a:p>
             <a:fld id="{1E6B4382-43F7-6448-A9AB-EA28434C2B2F}" type="datetimeFigureOut">
               <a:rPr lang="en-PT" smtClean="0"/>
-              <a:t>15/05/2020</a:t>
+              <a:t>17/05/2020</a:t>
             </a:fld>
             <a:endParaRPr lang="en-PT"/>
           </a:p>
@@ -1832,7 +1832,7 @@
           <a:p>
             <a:fld id="{1E6B4382-43F7-6448-A9AB-EA28434C2B2F}" type="datetimeFigureOut">
               <a:rPr lang="en-PT" smtClean="0"/>
-              <a:t>15/05/2020</a:t>
+              <a:t>17/05/2020</a:t>
             </a:fld>
             <a:endParaRPr lang="en-PT"/>
           </a:p>
@@ -1974,7 +1974,7 @@
           <a:p>
             <a:fld id="{1E6B4382-43F7-6448-A9AB-EA28434C2B2F}" type="datetimeFigureOut">
               <a:rPr lang="en-PT" smtClean="0"/>
-              <a:t>15/05/2020</a:t>
+              <a:t>17/05/2020</a:t>
             </a:fld>
             <a:endParaRPr lang="en-PT"/>
           </a:p>
@@ -2087,7 +2087,7 @@
           <a:p>
             <a:fld id="{1E6B4382-43F7-6448-A9AB-EA28434C2B2F}" type="datetimeFigureOut">
               <a:rPr lang="en-PT" smtClean="0"/>
-              <a:t>15/05/2020</a:t>
+              <a:t>17/05/2020</a:t>
             </a:fld>
             <a:endParaRPr lang="en-PT"/>
           </a:p>
@@ -2400,7 +2400,7 @@
           <a:p>
             <a:fld id="{1E6B4382-43F7-6448-A9AB-EA28434C2B2F}" type="datetimeFigureOut">
               <a:rPr lang="en-PT" smtClean="0"/>
-              <a:t>15/05/2020</a:t>
+              <a:t>17/05/2020</a:t>
             </a:fld>
             <a:endParaRPr lang="en-PT"/>
           </a:p>
@@ -2689,7 +2689,7 @@
           <a:p>
             <a:fld id="{1E6B4382-43F7-6448-A9AB-EA28434C2B2F}" type="datetimeFigureOut">
               <a:rPr lang="en-PT" smtClean="0"/>
-              <a:t>15/05/2020</a:t>
+              <a:t>17/05/2020</a:t>
             </a:fld>
             <a:endParaRPr lang="en-PT"/>
           </a:p>
@@ -2932,7 +2932,7 @@
           <a:p>
             <a:fld id="{1E6B4382-43F7-6448-A9AB-EA28434C2B2F}" type="datetimeFigureOut">
               <a:rPr lang="en-PT" smtClean="0"/>
-              <a:t>15/05/2020</a:t>
+              <a:t>17/05/2020</a:t>
             </a:fld>
             <a:endParaRPr lang="en-PT"/>
           </a:p>
@@ -5362,7 +5362,7 @@
             <a:pPr algn="ctr"/>
             <a:r>
               <a:rPr lang="en-PT" dirty="0"/>
-              <a:t>API_UseCase</a:t>
+              <a:t>API UseCase</a:t>
             </a:r>
           </a:p>
         </p:txBody>
@@ -5411,7 +5411,7 @@
             <a:pPr algn="ctr"/>
             <a:r>
               <a:rPr lang="en-PT" dirty="0"/>
-              <a:t>BussineseUseCase</a:t>
+              <a:t>Business UseCase</a:t>
             </a:r>
           </a:p>
         </p:txBody>
@@ -5755,8 +5755,8 @@
         </p:nvSpPr>
         <p:spPr>
           <a:xfrm>
-            <a:off x="201568" y="1669612"/>
-            <a:ext cx="5524881" cy="4893647"/>
+            <a:off x="233710" y="2485209"/>
+            <a:ext cx="5524881" cy="3600986"/>
           </a:xfrm>
           <a:prstGeom prst="rect">
             <a:avLst/>
@@ -5812,7 +5812,7 @@
             </a:pPr>
             <a:r>
               <a:rPr lang="pt-PT" sz="1200" dirty="0" err="1"/>
-              <a:t>View</a:t>
+              <a:t>ViewController</a:t>
             </a:r>
             <a:r>
               <a:rPr lang="pt-PT" sz="1200" dirty="0"/>
@@ -5820,6 +5820,14 @@
             </a:r>
             <a:r>
               <a:rPr lang="pt-PT" sz="1200" dirty="0" err="1"/>
+              <a:t>aka</a:t>
+            </a:r>
+            <a:r>
+              <a:rPr lang="pt-PT" sz="1200" dirty="0"/>
+              <a:t> VC, </a:t>
+            </a:r>
+            <a:r>
+              <a:rPr lang="pt-PT" sz="1200" dirty="0" err="1"/>
               <a:t>knows</a:t>
             </a:r>
             <a:r>
@@ -5836,7 +5844,15 @@
             </a:r>
             <a:r>
               <a:rPr lang="pt-PT" sz="1200" dirty="0" err="1"/>
-              <a:t>Presenter</a:t>
+              <a:t>Interactor</a:t>
+            </a:r>
+            <a:r>
+              <a:rPr lang="pt-PT" sz="1200" dirty="0"/>
+              <a:t>. </a:t>
+            </a:r>
+            <a:r>
+              <a:rPr lang="pt-PT" sz="1200" dirty="0" err="1"/>
+              <a:t>Interator</a:t>
             </a:r>
             <a:r>
               <a:rPr lang="pt-PT" sz="1200" dirty="0"/>
@@ -5844,15 +5860,7 @@
             </a:r>
             <a:r>
               <a:rPr lang="pt-PT" sz="1200" dirty="0" err="1"/>
-              <a:t>Protocol</a:t>
-            </a:r>
-            <a:r>
-              <a:rPr lang="pt-PT" sz="1200" dirty="0"/>
-              <a:t>. </a:t>
-            </a:r>
-            <a:r>
-              <a:rPr lang="pt-PT" sz="1200" dirty="0" err="1"/>
-              <a:t>View</a:t>
+              <a:t>will</a:t>
             </a:r>
             <a:r>
               <a:rPr lang="pt-PT" sz="1200" dirty="0"/>
@@ -5860,15 +5868,7 @@
             </a:r>
             <a:r>
               <a:rPr lang="pt-PT" sz="1200" dirty="0" err="1"/>
-              <a:t>is</a:t>
-            </a:r>
-            <a:r>
-              <a:rPr lang="pt-PT" sz="1200" dirty="0"/>
-              <a:t> passive </a:t>
-            </a:r>
-            <a:r>
-              <a:rPr lang="pt-PT" sz="1200" dirty="0" err="1"/>
-              <a:t>and</a:t>
+              <a:t>be</a:t>
             </a:r>
             <a:r>
               <a:rPr lang="pt-PT" sz="1200" dirty="0"/>
@@ -5876,27 +5876,11 @@
             </a:r>
             <a:r>
               <a:rPr lang="pt-PT" sz="1200" dirty="0" err="1"/>
-              <a:t>should</a:t>
-            </a:r>
-            <a:r>
-              <a:rPr lang="pt-PT" sz="1200" dirty="0"/>
-              <a:t> </a:t>
-            </a:r>
-            <a:r>
-              <a:rPr lang="pt-PT" sz="1200" dirty="0" err="1"/>
-              <a:t>only</a:t>
-            </a:r>
-            <a:r>
-              <a:rPr lang="pt-PT" sz="1200" dirty="0"/>
-              <a:t> </a:t>
-            </a:r>
-            <a:r>
-              <a:rPr lang="pt-PT" sz="1200" dirty="0" err="1"/>
-              <a:t>tell</a:t>
-            </a:r>
-            <a:r>
-              <a:rPr lang="pt-PT" sz="1200" dirty="0"/>
-              <a:t> </a:t>
+              <a:t>responsable</a:t>
+            </a:r>
+            <a:r>
+              <a:rPr lang="pt-PT" sz="1200" dirty="0"/>
+              <a:t> for </a:t>
             </a:r>
             <a:r>
               <a:rPr lang="pt-PT" sz="1200" dirty="0" err="1"/>
@@ -5904,103 +5888,15 @@
             </a:r>
             <a:r>
               <a:rPr lang="pt-PT" sz="1200" dirty="0"/>
-              <a:t> </a:t>
-            </a:r>
-            <a:r>
-              <a:rPr lang="pt-PT" sz="1200" dirty="0" err="1"/>
-              <a:t>Presenter</a:t>
-            </a:r>
-            <a:r>
-              <a:rPr lang="pt-PT" sz="1200" dirty="0"/>
-              <a:t> </a:t>
-            </a:r>
-            <a:r>
-              <a:rPr lang="pt-PT" sz="1200" dirty="0" err="1"/>
-              <a:t>about</a:t>
-            </a:r>
-            <a:r>
-              <a:rPr lang="pt-PT" sz="1200" dirty="0"/>
-              <a:t> </a:t>
-            </a:r>
-            <a:r>
-              <a:rPr lang="pt-PT" sz="1200" dirty="0" err="1"/>
-              <a:t>user</a:t>
-            </a:r>
-            <a:r>
-              <a:rPr lang="pt-PT" sz="1200" dirty="0"/>
-              <a:t> </a:t>
-            </a:r>
-            <a:r>
-              <a:rPr lang="pt-PT" sz="1200" dirty="0" err="1"/>
-              <a:t>interations</a:t>
-            </a:r>
-            <a:r>
-              <a:rPr lang="pt-PT" sz="1200" dirty="0"/>
-              <a:t> </a:t>
-            </a:r>
-            <a:r>
-              <a:rPr lang="pt-PT" sz="1200" dirty="0" err="1"/>
-              <a:t>and</a:t>
-            </a:r>
-            <a:r>
-              <a:rPr lang="pt-PT" sz="1200" dirty="0"/>
-              <a:t> show data </a:t>
-            </a:r>
-            <a:r>
-              <a:rPr lang="pt-PT" sz="1200" dirty="0" err="1"/>
-              <a:t>sended</a:t>
-            </a:r>
-            <a:r>
-              <a:rPr lang="pt-PT" sz="1200" dirty="0"/>
-              <a:t> </a:t>
-            </a:r>
-            <a:r>
-              <a:rPr lang="pt-PT" sz="1200" dirty="0" err="1"/>
-              <a:t>by</a:t>
-            </a:r>
-            <a:r>
-              <a:rPr lang="pt-PT" sz="1200" dirty="0"/>
-              <a:t> </a:t>
-            </a:r>
-            <a:r>
-              <a:rPr lang="pt-PT" sz="1200" dirty="0" err="1"/>
-              <a:t>the</a:t>
-            </a:r>
-            <a:r>
-              <a:rPr lang="pt-PT" sz="1200" dirty="0"/>
-              <a:t> </a:t>
-            </a:r>
-            <a:r>
-              <a:rPr lang="pt-PT" sz="1200" dirty="0" err="1"/>
-              <a:t>Presenter</a:t>
-            </a:r>
-            <a:r>
-              <a:rPr lang="pt-PT" sz="1200" dirty="0"/>
-              <a:t>. </a:t>
-            </a:r>
-            <a:r>
-              <a:rPr lang="pt-PT" sz="1200" dirty="0" err="1"/>
-              <a:t>View</a:t>
-            </a:r>
-            <a:r>
-              <a:rPr lang="pt-PT" sz="1200" dirty="0"/>
-              <a:t> </a:t>
-            </a:r>
-            <a:r>
-              <a:rPr lang="pt-PT" sz="1200" dirty="0" err="1"/>
-              <a:t>has</a:t>
-            </a:r>
-            <a:r>
-              <a:rPr lang="pt-PT" sz="1200" dirty="0"/>
-              <a:t> no </a:t>
-            </a:r>
-            <a:r>
-              <a:rPr lang="pt-PT" sz="1200" dirty="0" err="1"/>
-              <a:t>state</a:t>
-            </a:r>
-            <a:r>
-              <a:rPr lang="pt-PT" sz="1200" dirty="0"/>
-              <a:t>.</a:t>
+              <a:t> business </a:t>
+            </a:r>
+            <a:r>
+              <a:rPr lang="pt-PT" sz="1200" dirty="0" err="1"/>
+              <a:t>of</a:t>
+            </a:r>
+            <a:r>
+              <a:rPr lang="pt-PT" sz="1200" dirty="0"/>
+              <a:t> a VC. </a:t>
             </a:r>
           </a:p>
           <a:p>
@@ -6010,140 +5906,121 @@
             </a:pPr>
             <a:r>
               <a:rPr lang="pt-PT" sz="1200" dirty="0" err="1"/>
+              <a:t>Interactor</a:t>
+            </a:r>
+            <a:r>
+              <a:rPr lang="pt-PT" sz="1200" dirty="0"/>
+              <a:t> </a:t>
+            </a:r>
+            <a:r>
+              <a:rPr lang="pt-PT" sz="1200" dirty="0" err="1"/>
+              <a:t>knwow</a:t>
+            </a:r>
+            <a:r>
+              <a:rPr lang="pt-PT" sz="1200" dirty="0"/>
+              <a:t> </a:t>
+            </a:r>
+            <a:r>
+              <a:rPr lang="pt-PT" sz="1200" dirty="0" err="1"/>
+              <a:t>the</a:t>
+            </a:r>
+            <a:r>
+              <a:rPr lang="pt-PT" sz="1200" dirty="0"/>
+              <a:t> Use Cases as UC, </a:t>
+            </a:r>
+            <a:r>
+              <a:rPr lang="pt-PT" sz="1200" dirty="0" err="1"/>
+              <a:t>and</a:t>
+            </a:r>
+            <a:r>
+              <a:rPr lang="pt-PT" sz="1200" dirty="0"/>
+              <a:t> </a:t>
+            </a:r>
+            <a:r>
+              <a:rPr lang="pt-PT" sz="1200" dirty="0" err="1"/>
+              <a:t>they</a:t>
+            </a:r>
+            <a:r>
+              <a:rPr lang="pt-PT" sz="1200" dirty="0"/>
+              <a:t> are </a:t>
+            </a:r>
+            <a:r>
+              <a:rPr lang="pt-PT" sz="1200" dirty="0" err="1"/>
+              <a:t>the</a:t>
+            </a:r>
+            <a:r>
+              <a:rPr lang="pt-PT" sz="1200" dirty="0"/>
+              <a:t> real </a:t>
+            </a:r>
+            <a:r>
+              <a:rPr lang="pt-PT" sz="1200" dirty="0" err="1"/>
+              <a:t>brain</a:t>
+            </a:r>
+            <a:r>
+              <a:rPr lang="pt-PT" sz="1200" dirty="0"/>
+              <a:t> </a:t>
+            </a:r>
+            <a:r>
+              <a:rPr lang="pt-PT" sz="1200" dirty="0" err="1"/>
+              <a:t>or</a:t>
+            </a:r>
+            <a:r>
+              <a:rPr lang="pt-PT" sz="1200" dirty="0"/>
+              <a:t> </a:t>
+            </a:r>
+            <a:r>
+              <a:rPr lang="pt-PT" sz="1200" dirty="0" err="1"/>
+              <a:t>the</a:t>
+            </a:r>
+            <a:r>
+              <a:rPr lang="pt-PT" sz="1200" dirty="0"/>
+              <a:t> </a:t>
+            </a:r>
+            <a:r>
+              <a:rPr lang="pt-PT" sz="1200" dirty="0" err="1"/>
+              <a:t>app</a:t>
+            </a:r>
+            <a:r>
+              <a:rPr lang="pt-PT" sz="1200" dirty="0"/>
+              <a:t>. </a:t>
+            </a:r>
+            <a:r>
+              <a:rPr lang="pt-PT" sz="1200" dirty="0" err="1"/>
+              <a:t>Interactor</a:t>
+            </a:r>
+            <a:r>
+              <a:rPr lang="pt-PT" sz="1200" dirty="0"/>
+              <a:t> </a:t>
+            </a:r>
+            <a:r>
+              <a:rPr lang="pt-PT" sz="1200" dirty="0" err="1"/>
+              <a:t>forward</a:t>
+            </a:r>
+            <a:r>
+              <a:rPr lang="pt-PT" sz="1200" dirty="0"/>
+              <a:t> </a:t>
+            </a:r>
+            <a:r>
+              <a:rPr lang="pt-PT" sz="1200" dirty="0" err="1"/>
+              <a:t>the</a:t>
+            </a:r>
+            <a:r>
+              <a:rPr lang="pt-PT" sz="1200" dirty="0"/>
+              <a:t> UC responses to </a:t>
+            </a:r>
+            <a:r>
+              <a:rPr lang="pt-PT" sz="1200" dirty="0" err="1"/>
+              <a:t>the</a:t>
+            </a:r>
+            <a:r>
+              <a:rPr lang="pt-PT" sz="1200" dirty="0"/>
+              <a:t> </a:t>
+            </a:r>
+            <a:r>
+              <a:rPr lang="pt-PT" sz="1200" dirty="0" err="1"/>
               <a:t>Presenter</a:t>
             </a:r>
-            <a:r>
-              <a:rPr lang="pt-PT" sz="1200" dirty="0"/>
-              <a:t> </a:t>
-            </a:r>
-            <a:r>
-              <a:rPr lang="pt-PT" sz="1200" dirty="0" err="1"/>
-              <a:t>know</a:t>
-            </a:r>
-            <a:r>
-              <a:rPr lang="pt-PT" sz="1200" dirty="0"/>
-              <a:t> </a:t>
-            </a:r>
-            <a:r>
-              <a:rPr lang="pt-PT" sz="1200" dirty="0" err="1"/>
-              <a:t>the</a:t>
-            </a:r>
-            <a:r>
-              <a:rPr lang="pt-PT" sz="1200" dirty="0"/>
-              <a:t> </a:t>
-            </a:r>
-            <a:r>
-              <a:rPr lang="pt-PT" sz="1200" dirty="0" err="1"/>
-              <a:t>View</a:t>
-            </a:r>
-            <a:r>
-              <a:rPr lang="pt-PT" sz="1200" dirty="0"/>
-              <a:t> </a:t>
-            </a:r>
-            <a:r>
-              <a:rPr lang="pt-PT" sz="1200" dirty="0" err="1"/>
-              <a:t>Protocol</a:t>
-            </a:r>
-            <a:r>
-              <a:rPr lang="pt-PT" sz="1200" dirty="0"/>
-              <a:t> </a:t>
-            </a:r>
-            <a:r>
-              <a:rPr lang="pt-PT" sz="1200" dirty="0" err="1"/>
-              <a:t>and</a:t>
-            </a:r>
-            <a:r>
-              <a:rPr lang="pt-PT" sz="1200" dirty="0"/>
-              <a:t> Router </a:t>
-            </a:r>
-            <a:r>
-              <a:rPr lang="pt-PT" sz="1200" dirty="0" err="1"/>
-              <a:t>Protocol</a:t>
-            </a:r>
-            <a:r>
-              <a:rPr lang="pt-PT" sz="1200" dirty="0"/>
-              <a:t>. </a:t>
-            </a:r>
-            <a:r>
-              <a:rPr lang="pt-PT" sz="1200" dirty="0" err="1"/>
-              <a:t>Have</a:t>
-            </a:r>
-            <a:r>
-              <a:rPr lang="pt-PT" sz="1200" dirty="0"/>
-              <a:t> </a:t>
-            </a:r>
-            <a:r>
-              <a:rPr lang="pt-PT" sz="1200" dirty="0" err="1"/>
-              <a:t>the</a:t>
-            </a:r>
-            <a:r>
-              <a:rPr lang="pt-PT" sz="1200" dirty="0"/>
-              <a:t> business </a:t>
-            </a:r>
-            <a:r>
-              <a:rPr lang="pt-PT" sz="1200" dirty="0" err="1"/>
-              <a:t>that</a:t>
-            </a:r>
-            <a:r>
-              <a:rPr lang="pt-PT" sz="1200" dirty="0"/>
-              <a:t> </a:t>
-            </a:r>
-            <a:r>
-              <a:rPr lang="pt-PT" sz="1200" dirty="0" err="1"/>
-              <a:t>controls</a:t>
-            </a:r>
-            <a:r>
-              <a:rPr lang="pt-PT" sz="1200" dirty="0"/>
-              <a:t> </a:t>
-            </a:r>
-            <a:r>
-              <a:rPr lang="pt-PT" sz="1200" dirty="0" err="1"/>
-              <a:t>the</a:t>
-            </a:r>
-            <a:r>
-              <a:rPr lang="pt-PT" sz="1200" dirty="0"/>
-              <a:t> </a:t>
-            </a:r>
-            <a:r>
-              <a:rPr lang="pt-PT" sz="1200" dirty="0" err="1"/>
-              <a:t>View</a:t>
-            </a:r>
-            <a:r>
-              <a:rPr lang="pt-PT" sz="1200" dirty="0"/>
-              <a:t>, </a:t>
-            </a:r>
-            <a:r>
-              <a:rPr lang="pt-PT" sz="1200" dirty="0" err="1"/>
-              <a:t>and</a:t>
-            </a:r>
-            <a:r>
-              <a:rPr lang="pt-PT" sz="1200" dirty="0"/>
-              <a:t> </a:t>
-            </a:r>
-            <a:r>
-              <a:rPr lang="pt-PT" sz="1200" dirty="0" err="1"/>
-              <a:t>handles</a:t>
-            </a:r>
-            <a:r>
-              <a:rPr lang="pt-PT" sz="1200" dirty="0"/>
-              <a:t> </a:t>
-            </a:r>
-            <a:r>
-              <a:rPr lang="pt-PT" sz="1200" dirty="0" err="1"/>
-              <a:t>all</a:t>
-            </a:r>
-            <a:r>
-              <a:rPr lang="pt-PT" sz="1200" dirty="0"/>
-              <a:t> </a:t>
-            </a:r>
-            <a:r>
-              <a:rPr lang="pt-PT" sz="1200" dirty="0" err="1"/>
-              <a:t>the</a:t>
-            </a:r>
-            <a:r>
-              <a:rPr lang="pt-PT" sz="1200" dirty="0"/>
-              <a:t> data.</a:t>
-            </a:r>
+            <a:endParaRPr lang="pt-PT" sz="1200" dirty="0"/>
           </a:p>
           <a:p>
             <a:pPr marL="171450" indent="-171450">
@@ -6151,12 +6028,8 @@
               <a:buChar char="•"/>
             </a:pPr>
             <a:r>
-              <a:rPr lang="pt-PT" sz="1200" dirty="0"/>
-              <a:t>Router </a:t>
-            </a:r>
-            <a:r>
-              <a:rPr lang="pt-PT" sz="1200" dirty="0" err="1"/>
-              <a:t>know</a:t>
+              <a:rPr lang="pt-PT" sz="1200" dirty="0" err="1"/>
+              <a:t>Presenter</a:t>
             </a:r>
             <a:r>
               <a:rPr lang="pt-PT" sz="1200" dirty="0"/>
@@ -6164,15 +6037,39 @@
             </a:r>
             <a:r>
               <a:rPr lang="pt-PT" sz="1200" dirty="0" err="1"/>
+              <a:t>aka</a:t>
+            </a:r>
+            <a:r>
+              <a:rPr lang="pt-PT" sz="1200" dirty="0"/>
+              <a:t> P, </a:t>
+            </a:r>
+            <a:r>
+              <a:rPr lang="pt-PT" sz="1200" dirty="0" err="1"/>
+              <a:t>will</a:t>
+            </a:r>
+            <a:r>
+              <a:rPr lang="pt-PT" sz="1200" dirty="0"/>
+              <a:t> parse </a:t>
+            </a:r>
+            <a:r>
+              <a:rPr lang="pt-PT" sz="1200" dirty="0" err="1"/>
               <a:t>the</a:t>
             </a:r>
             <a:r>
               <a:rPr lang="pt-PT" sz="1200" dirty="0"/>
+              <a:t> response </a:t>
+            </a:r>
+            <a:r>
+              <a:rPr lang="pt-PT" sz="1200" dirty="0" err="1"/>
+              <a:t>from</a:t>
+            </a:r>
+            <a:r>
+              <a:rPr lang="pt-PT" sz="1200" dirty="0"/>
               <a:t> </a:t>
             </a:r>
             <a:r>
               <a:rPr lang="pt-PT" sz="1200" dirty="0" err="1"/>
-              <a:t>View</a:t>
+              <a:t>the</a:t>
             </a:r>
             <a:r>
               <a:rPr lang="pt-PT" sz="1200" dirty="0"/>
@@ -6180,7 +6077,15 @@
             </a:r>
             <a:r>
               <a:rPr lang="pt-PT" sz="1200" dirty="0" err="1"/>
-              <a:t>Protocol</a:t>
+              <a:t>Interactor</a:t>
+            </a:r>
+            <a:r>
+              <a:rPr lang="pt-PT" sz="1200" dirty="0"/>
+              <a:t> in </a:t>
+            </a:r>
+            <a:r>
+              <a:rPr lang="pt-PT" sz="1200" dirty="0" err="1"/>
+              <a:t>way</a:t>
             </a:r>
             <a:r>
               <a:rPr lang="pt-PT" sz="1200" dirty="0"/>
@@ -6188,6 +6093,30 @@
             </a:r>
             <a:r>
               <a:rPr lang="pt-PT" sz="1200" dirty="0" err="1"/>
+              <a:t>the</a:t>
+            </a:r>
+            <a:r>
+              <a:rPr lang="pt-PT" sz="1200" dirty="0"/>
+              <a:t> VC can </a:t>
+            </a:r>
+            <a:r>
+              <a:rPr lang="pt-PT" sz="1200" dirty="0" err="1"/>
+              <a:t>read</a:t>
+            </a:r>
+            <a:r>
+              <a:rPr lang="pt-PT" sz="1200" dirty="0"/>
+              <a:t> </a:t>
+            </a:r>
+            <a:r>
+              <a:rPr lang="pt-PT" sz="1200" dirty="0" err="1"/>
+              <a:t>it</a:t>
+            </a:r>
+            <a:r>
+              <a:rPr lang="pt-PT" sz="1200" dirty="0"/>
+              <a:t> </a:t>
+            </a:r>
+            <a:r>
+              <a:rPr lang="pt-PT" sz="1200" dirty="0" err="1"/>
               <a:t>and</a:t>
             </a:r>
             <a:r>
@@ -6196,7 +6125,7 @@
             </a:r>
             <a:r>
               <a:rPr lang="pt-PT" sz="1200" dirty="0" err="1"/>
-              <a:t>know</a:t>
+              <a:t>forward</a:t>
             </a:r>
             <a:r>
               <a:rPr lang="pt-PT" sz="1200" dirty="0"/>
@@ -6204,123 +6133,19 @@
             </a:r>
             <a:r>
               <a:rPr lang="pt-PT" sz="1200" dirty="0" err="1"/>
+              <a:t>it</a:t>
+            </a:r>
+            <a:r>
+              <a:rPr lang="pt-PT" sz="1200" dirty="0"/>
+              <a:t> to </a:t>
+            </a:r>
+            <a:r>
+              <a:rPr lang="pt-PT" sz="1200" dirty="0" err="1"/>
               <a:t>the</a:t>
             </a:r>
             <a:r>
               <a:rPr lang="pt-PT" sz="1200" dirty="0"/>
-              <a:t> </a:t>
-            </a:r>
-            <a:r>
-              <a:rPr lang="pt-PT" sz="1200" dirty="0" err="1"/>
-              <a:t>navigation</a:t>
-            </a:r>
-            <a:r>
-              <a:rPr lang="pt-PT" sz="1200" dirty="0"/>
-              <a:t>. </a:t>
-            </a:r>
-            <a:r>
-              <a:rPr lang="pt-PT" sz="1200" dirty="0" err="1"/>
-              <a:t>The</a:t>
-            </a:r>
-            <a:r>
-              <a:rPr lang="pt-PT" sz="1200" dirty="0"/>
-              <a:t> </a:t>
-            </a:r>
-            <a:r>
-              <a:rPr lang="pt-PT" sz="1200" dirty="0" err="1"/>
-              <a:t>only</a:t>
-            </a:r>
-            <a:r>
-              <a:rPr lang="pt-PT" sz="1200" dirty="0"/>
-              <a:t> </a:t>
-            </a:r>
-            <a:r>
-              <a:rPr lang="pt-PT" sz="1200" dirty="0" err="1"/>
-              <a:t>way</a:t>
-            </a:r>
-            <a:r>
-              <a:rPr lang="pt-PT" sz="1200" dirty="0"/>
-              <a:t> </a:t>
-            </a:r>
-            <a:r>
-              <a:rPr lang="pt-PT" sz="1200" dirty="0" err="1"/>
-              <a:t>of</a:t>
-            </a:r>
-            <a:r>
-              <a:rPr lang="pt-PT" sz="1200" dirty="0"/>
-              <a:t> </a:t>
-            </a:r>
-            <a:r>
-              <a:rPr lang="pt-PT" sz="1200" dirty="0" err="1"/>
-              <a:t>getting</a:t>
-            </a:r>
-            <a:r>
-              <a:rPr lang="pt-PT" sz="1200" dirty="0"/>
-              <a:t> </a:t>
-            </a:r>
-            <a:r>
-              <a:rPr lang="pt-PT" sz="1200" dirty="0" err="1"/>
-              <a:t>from</a:t>
-            </a:r>
-            <a:r>
-              <a:rPr lang="pt-PT" sz="1200" dirty="0"/>
-              <a:t> um </a:t>
-            </a:r>
-            <a:r>
-              <a:rPr lang="pt-PT" sz="1200" dirty="0" err="1"/>
-              <a:t>View</a:t>
-            </a:r>
-            <a:r>
-              <a:rPr lang="pt-PT" sz="1200" dirty="0"/>
-              <a:t> to </a:t>
-            </a:r>
-            <a:r>
-              <a:rPr lang="pt-PT" sz="1200" dirty="0" err="1"/>
-              <a:t>other</a:t>
-            </a:r>
-            <a:r>
-              <a:rPr lang="pt-PT" sz="1200" dirty="0"/>
-              <a:t> </a:t>
-            </a:r>
-            <a:r>
-              <a:rPr lang="pt-PT" sz="1200" dirty="0" err="1"/>
-              <a:t>is</a:t>
-            </a:r>
-            <a:r>
-              <a:rPr lang="pt-PT" sz="1200" dirty="0"/>
-              <a:t> </a:t>
-            </a:r>
-            <a:r>
-              <a:rPr lang="pt-PT" sz="1200" dirty="0" err="1"/>
-              <a:t>by</a:t>
-            </a:r>
-            <a:r>
-              <a:rPr lang="pt-PT" sz="1200" dirty="0"/>
-              <a:t> </a:t>
-            </a:r>
-            <a:r>
-              <a:rPr lang="pt-PT" sz="1200" dirty="0" err="1"/>
-              <a:t>the</a:t>
-            </a:r>
-            <a:r>
-              <a:rPr lang="pt-PT" sz="1200" dirty="0"/>
-              <a:t> Router (</a:t>
-            </a:r>
-            <a:r>
-              <a:rPr lang="pt-PT" sz="1200" dirty="0" err="1"/>
-              <a:t>exception</a:t>
-            </a:r>
-            <a:r>
-              <a:rPr lang="pt-PT" sz="1200" dirty="0"/>
-              <a:t>: </a:t>
-            </a:r>
-            <a:r>
-              <a:rPr lang="pt-PT" sz="1200" dirty="0" err="1"/>
-              <a:t>Logout</a:t>
-            </a:r>
-            <a:r>
-              <a:rPr lang="pt-PT" sz="1200" dirty="0"/>
-              <a:t>)</a:t>
+              <a:t> VC.</a:t>
             </a:r>
           </a:p>
           <a:p>
@@ -6330,7 +6155,23 @@
             </a:pPr>
             <a:r>
               <a:rPr lang="pt-PT" sz="1200" dirty="0"/>
-              <a:t>Router, </a:t>
+              <a:t>VC </a:t>
+            </a:r>
+            <a:r>
+              <a:rPr lang="pt-PT" sz="1200" dirty="0" err="1"/>
+              <a:t>know</a:t>
+            </a:r>
+            <a:r>
+              <a:rPr lang="pt-PT" sz="1200" dirty="0"/>
+              <a:t> </a:t>
+            </a:r>
+            <a:r>
+              <a:rPr lang="pt-PT" sz="1200" dirty="0" err="1"/>
+              <a:t>the</a:t>
+            </a:r>
+            <a:r>
+              <a:rPr lang="pt-PT" sz="1200" dirty="0"/>
+              <a:t> </a:t>
             </a:r>
             <a:r>
               <a:rPr lang="pt-PT" sz="1200" dirty="0" err="1"/>
@@ -6338,19 +6179,27 @@
             </a:r>
             <a:r>
               <a:rPr lang="pt-PT" sz="1200" dirty="0"/>
+              <a:t> (</a:t>
+            </a:r>
+            <a:r>
+              <a:rPr lang="pt-PT" sz="1200" dirty="0" err="1"/>
+              <a:t>UIView</a:t>
+            </a:r>
+            <a:r>
+              <a:rPr lang="pt-PT" sz="1200" dirty="0"/>
+              <a:t>), </a:t>
+            </a:r>
+            <a:r>
+              <a:rPr lang="pt-PT" sz="1200" dirty="0" err="1"/>
+              <a:t>and</a:t>
+            </a:r>
+            <a:r>
+              <a:rPr lang="pt-PT" sz="1200" dirty="0"/>
               <a:t> </a:t>
             </a:r>
             <a:r>
               <a:rPr lang="pt-PT" sz="1200" dirty="0" err="1"/>
-              <a:t>and</a:t>
-            </a:r>
-            <a:r>
-              <a:rPr lang="pt-PT" sz="1200" dirty="0"/>
-              <a:t> Router are </a:t>
-            </a:r>
-            <a:r>
-              <a:rPr lang="pt-PT" sz="1200" dirty="0" err="1"/>
-              <a:t>glued</a:t>
+              <a:t>the</a:t>
             </a:r>
             <a:r>
               <a:rPr lang="pt-PT" sz="1200" dirty="0"/>
@@ -6358,7 +6207,7 @@
             </a:r>
             <a:r>
               <a:rPr lang="pt-PT" sz="1200" dirty="0" err="1"/>
-              <a:t>by</a:t>
+              <a:t>View</a:t>
             </a:r>
             <a:r>
               <a:rPr lang="pt-PT" sz="1200" dirty="0"/>
@@ -6366,7 +6215,7 @@
             </a:r>
             <a:r>
               <a:rPr lang="pt-PT" sz="1200" dirty="0" err="1"/>
-              <a:t>Assembly</a:t>
+              <a:t>have</a:t>
             </a:r>
             <a:r>
               <a:rPr lang="pt-PT" sz="1200" dirty="0"/>
@@ -6374,12 +6223,165 @@
             </a:r>
             <a:r>
               <a:rPr lang="pt-PT" sz="1200" dirty="0" err="1"/>
-              <a:t>Container</a:t>
-            </a:r>
-            <a:r>
-              <a:rPr lang="pt-PT" sz="1200" dirty="0"/>
-              <a:t> File</a:t>
-            </a:r>
+              <a:t>all</a:t>
+            </a:r>
+            <a:r>
+              <a:rPr lang="pt-PT" sz="1200" dirty="0"/>
+              <a:t> </a:t>
+            </a:r>
+            <a:r>
+              <a:rPr lang="pt-PT" sz="1200" dirty="0" err="1"/>
+              <a:t>the</a:t>
+            </a:r>
+            <a:r>
+              <a:rPr lang="pt-PT" sz="1200" dirty="0"/>
+              <a:t> UI </a:t>
+            </a:r>
+            <a:r>
+              <a:rPr lang="pt-PT" sz="1200" dirty="0" err="1"/>
+              <a:t>elements</a:t>
+            </a:r>
+            <a:r>
+              <a:rPr lang="pt-PT" sz="1200" dirty="0"/>
+              <a:t> (</a:t>
+            </a:r>
+            <a:r>
+              <a:rPr lang="pt-PT" sz="1200" dirty="0" err="1"/>
+              <a:t>they</a:t>
+            </a:r>
+            <a:r>
+              <a:rPr lang="pt-PT" sz="1200" dirty="0"/>
+              <a:t> are </a:t>
+            </a:r>
+            <a:r>
+              <a:rPr lang="pt-PT" sz="1200" dirty="0" err="1"/>
+              <a:t>not</a:t>
+            </a:r>
+            <a:r>
+              <a:rPr lang="pt-PT" sz="1200" dirty="0"/>
+              <a:t> in </a:t>
+            </a:r>
+            <a:r>
+              <a:rPr lang="pt-PT" sz="1200" dirty="0" err="1"/>
+              <a:t>the</a:t>
+            </a:r>
+            <a:r>
+              <a:rPr lang="pt-PT" sz="1200" dirty="0"/>
+              <a:t> </a:t>
+            </a:r>
+            <a:r>
+              <a:rPr lang="pt-PT" sz="1200" dirty="0" err="1"/>
+              <a:t>ViewController</a:t>
+            </a:r>
+            <a:r>
+              <a:rPr lang="pt-PT" sz="1200" dirty="0"/>
+              <a:t>)</a:t>
+            </a:r>
+          </a:p>
+          <a:p>
+            <a:pPr marL="171450" indent="-171450">
+              <a:buFont typeface="Arial" panose="020B0604020202020204" pitchFamily="34" charset="0"/>
+              <a:buChar char="•"/>
+            </a:pPr>
+            <a:r>
+              <a:rPr lang="pt-PT" sz="1200" dirty="0"/>
+              <a:t>VC </a:t>
+            </a:r>
+            <a:r>
+              <a:rPr lang="pt-PT" sz="1200" dirty="0" err="1"/>
+              <a:t>also</a:t>
+            </a:r>
+            <a:r>
+              <a:rPr lang="pt-PT" sz="1200" dirty="0"/>
+              <a:t> </a:t>
+            </a:r>
+            <a:r>
+              <a:rPr lang="pt-PT" sz="1200" dirty="0" err="1"/>
+              <a:t>knows</a:t>
+            </a:r>
+            <a:r>
+              <a:rPr lang="pt-PT" sz="1200" dirty="0"/>
+              <a:t> </a:t>
+            </a:r>
+            <a:r>
+              <a:rPr lang="pt-PT" sz="1200" dirty="0" err="1"/>
+              <a:t>the</a:t>
+            </a:r>
+            <a:r>
+              <a:rPr lang="pt-PT" sz="1200" dirty="0"/>
+              <a:t> Router as </a:t>
+            </a:r>
+            <a:r>
+              <a:rPr lang="pt-PT" sz="1200" dirty="0" err="1"/>
+              <a:t>aka</a:t>
+            </a:r>
+            <a:r>
+              <a:rPr lang="pt-PT" sz="1200" dirty="0"/>
+              <a:t> R</a:t>
+            </a:r>
+          </a:p>
+          <a:p>
+            <a:pPr marL="171450" indent="-171450">
+              <a:buFont typeface="Arial" panose="020B0604020202020204" pitchFamily="34" charset="0"/>
+              <a:buChar char="•"/>
+            </a:pPr>
+            <a:r>
+              <a:rPr lang="pt-PT" sz="1200" dirty="0"/>
+              <a:t>Router </a:t>
+            </a:r>
+            <a:r>
+              <a:rPr lang="pt-PT" sz="1200" dirty="0" err="1"/>
+              <a:t>is</a:t>
+            </a:r>
+            <a:r>
+              <a:rPr lang="pt-PT" sz="1200" dirty="0"/>
+              <a:t> </a:t>
+            </a:r>
+            <a:r>
+              <a:rPr lang="pt-PT" sz="1200" dirty="0" err="1"/>
+              <a:t>responsable</a:t>
+            </a:r>
+            <a:r>
+              <a:rPr lang="pt-PT" sz="1200" dirty="0"/>
+              <a:t> for </a:t>
+            </a:r>
+            <a:r>
+              <a:rPr lang="pt-PT" sz="1200" dirty="0" err="1"/>
+              <a:t>the</a:t>
+            </a:r>
+            <a:r>
+              <a:rPr lang="pt-PT" sz="1200" dirty="0"/>
+              <a:t> </a:t>
+            </a:r>
+            <a:r>
+              <a:rPr lang="pt-PT" sz="1200" dirty="0" err="1"/>
+              <a:t>navigation</a:t>
+            </a:r>
+            <a:r>
+              <a:rPr lang="pt-PT" sz="1200" dirty="0"/>
+              <a:t> </a:t>
+            </a:r>
+            <a:r>
+              <a:rPr lang="pt-PT" sz="1200" dirty="0" err="1"/>
+              <a:t>between</a:t>
+            </a:r>
+            <a:r>
+              <a:rPr lang="pt-PT" sz="1200" dirty="0"/>
+              <a:t> </a:t>
+            </a:r>
+            <a:r>
+              <a:rPr lang="pt-PT" sz="1200" dirty="0" err="1"/>
+              <a:t>diferent</a:t>
+            </a:r>
+            <a:r>
+              <a:rPr lang="pt-PT" sz="1200" dirty="0"/>
+              <a:t> </a:t>
+            </a:r>
+            <a:r>
+              <a:rPr lang="pt-PT" sz="1200" dirty="0" err="1"/>
+              <a:t>VCs</a:t>
+            </a:r>
+            <a:endParaRPr lang="pt-PT" sz="1200" dirty="0"/>
           </a:p>
           <a:p>
             <a:pPr marL="171450" indent="-171450">
@@ -6395,27 +6397,59 @@
             </a:pPr>
             <a:r>
               <a:rPr lang="pt-PT" sz="1200" dirty="0" err="1"/>
-              <a:t>Presenter</a:t>
-            </a:r>
-            <a:r>
-              <a:rPr lang="pt-PT" sz="1200" dirty="0"/>
-              <a:t> can more </a:t>
-            </a:r>
-            <a:r>
-              <a:rPr lang="pt-PT" sz="1200" dirty="0" err="1"/>
-              <a:t>than</a:t>
-            </a:r>
-            <a:r>
-              <a:rPr lang="pt-PT" sz="1200" dirty="0"/>
-              <a:t> </a:t>
-            </a:r>
-            <a:r>
-              <a:rPr lang="pt-PT" sz="1200" dirty="0" err="1"/>
-              <a:t>UseCase</a:t>
-            </a:r>
-            <a:r>
-              <a:rPr lang="pt-PT" sz="1200" dirty="0"/>
-              <a:t> (P1)</a:t>
+              <a:t>Repositorys</a:t>
+            </a:r>
+            <a:r>
+              <a:rPr lang="pt-PT" sz="1200" dirty="0"/>
+              <a:t>, are a “</a:t>
+            </a:r>
+            <a:r>
+              <a:rPr lang="pt-PT" sz="1200" dirty="0" err="1"/>
+              <a:t>source</a:t>
+            </a:r>
+            <a:r>
+              <a:rPr lang="pt-PT" sz="1200" dirty="0"/>
+              <a:t>” </a:t>
+            </a:r>
+            <a:r>
+              <a:rPr lang="pt-PT" sz="1200" dirty="0" err="1"/>
+              <a:t>of</a:t>
+            </a:r>
+            <a:r>
+              <a:rPr lang="pt-PT" sz="1200" dirty="0"/>
+              <a:t> data. </a:t>
+            </a:r>
+            <a:r>
+              <a:rPr lang="pt-PT" sz="1200" dirty="0" err="1"/>
+              <a:t>They</a:t>
+            </a:r>
+            <a:r>
+              <a:rPr lang="pt-PT" sz="1200" dirty="0"/>
+              <a:t> can </a:t>
+            </a:r>
+            <a:r>
+              <a:rPr lang="pt-PT" sz="1200" dirty="0" err="1"/>
+              <a:t>be</a:t>
+            </a:r>
+            <a:r>
+              <a:rPr lang="pt-PT" sz="1200" dirty="0"/>
+              <a:t> a Cache, a </a:t>
+            </a:r>
+            <a:r>
+              <a:rPr lang="pt-PT" sz="1200" dirty="0" err="1"/>
+              <a:t>DataBase</a:t>
+            </a:r>
+            <a:r>
+              <a:rPr lang="pt-PT" sz="1200" dirty="0"/>
+              <a:t>, </a:t>
+            </a:r>
+            <a:r>
+              <a:rPr lang="pt-PT" sz="1200" dirty="0" err="1"/>
+              <a:t>the</a:t>
+            </a:r>
+            <a:r>
+              <a:rPr lang="pt-PT" sz="1200" dirty="0"/>
+              <a:t> API, etc.</a:t>
             </a:r>
           </a:p>
           <a:p>
@@ -6425,7 +6459,15 @@
             </a:pPr>
             <a:r>
               <a:rPr lang="pt-PT" sz="1200" dirty="0" err="1"/>
-              <a:t>Same</a:t>
+              <a:t>UseCases</a:t>
+            </a:r>
+            <a:r>
+              <a:rPr lang="pt-PT" sz="1200" dirty="0"/>
+              <a:t> are </a:t>
+            </a:r>
+            <a:r>
+              <a:rPr lang="pt-PT" sz="1200" dirty="0" err="1"/>
+              <a:t>the</a:t>
             </a:r>
             <a:r>
               <a:rPr lang="pt-PT" sz="1200" dirty="0"/>
@@ -6433,23 +6475,178 @@
             </a:r>
             <a:r>
               <a:rPr lang="pt-PT" sz="1200" dirty="0" err="1"/>
+              <a:t>brain</a:t>
+            </a:r>
+            <a:r>
+              <a:rPr lang="pt-PT" sz="1200" dirty="0"/>
+              <a:t> </a:t>
+            </a:r>
+            <a:r>
+              <a:rPr lang="pt-PT" sz="1200" dirty="0" err="1"/>
+              <a:t>of</a:t>
+            </a:r>
+            <a:r>
+              <a:rPr lang="pt-PT" sz="1200" dirty="0"/>
+              <a:t> </a:t>
+            </a:r>
+            <a:r>
+              <a:rPr lang="pt-PT" sz="1200" dirty="0" err="1"/>
+              <a:t>the</a:t>
+            </a:r>
+            <a:r>
+              <a:rPr lang="pt-PT" sz="1200" dirty="0"/>
+              <a:t> </a:t>
+            </a:r>
+            <a:r>
+              <a:rPr lang="pt-PT" sz="1200" dirty="0" err="1"/>
+              <a:t>app</a:t>
+            </a:r>
+            <a:r>
+              <a:rPr lang="pt-PT" sz="1200" dirty="0"/>
+              <a:t>, </a:t>
+            </a:r>
+            <a:r>
+              <a:rPr lang="pt-PT" sz="1200" dirty="0" err="1"/>
+              <a:t>and</a:t>
+            </a:r>
+            <a:r>
+              <a:rPr lang="pt-PT" sz="1200" dirty="0"/>
+              <a:t> </a:t>
+            </a:r>
+            <a:r>
+              <a:rPr lang="pt-PT" sz="1200" dirty="0" err="1"/>
+              <a:t>each</a:t>
+            </a:r>
+            <a:r>
+              <a:rPr lang="pt-PT" sz="1200" dirty="0"/>
+              <a:t> </a:t>
+            </a:r>
+            <a:r>
+              <a:rPr lang="pt-PT" sz="1200" dirty="0" err="1"/>
+              <a:t>one</a:t>
+            </a:r>
+            <a:r>
+              <a:rPr lang="pt-PT" sz="1200" dirty="0"/>
+              <a:t> </a:t>
+            </a:r>
+            <a:r>
+              <a:rPr lang="pt-PT" sz="1200" dirty="0" err="1"/>
+              <a:t>will</a:t>
+            </a:r>
+            <a:r>
+              <a:rPr lang="pt-PT" sz="1200" dirty="0"/>
+              <a:t> </a:t>
+            </a:r>
+            <a:r>
+              <a:rPr lang="pt-PT" sz="1200" dirty="0" err="1"/>
+              <a:t>know</a:t>
+            </a:r>
+            <a:r>
+              <a:rPr lang="pt-PT" sz="1200" dirty="0"/>
+              <a:t> </a:t>
+            </a:r>
+            <a:r>
+              <a:rPr lang="pt-PT" sz="1200" dirty="0" err="1"/>
+              <a:t>the</a:t>
+            </a:r>
+            <a:r>
+              <a:rPr lang="pt-PT" sz="1200" dirty="0"/>
+              <a:t> </a:t>
+            </a:r>
+            <a:r>
+              <a:rPr lang="pt-PT" sz="1200" dirty="0" err="1"/>
+              <a:t>related</a:t>
+            </a:r>
+            <a:r>
+              <a:rPr lang="pt-PT" sz="1200" dirty="0"/>
+              <a:t> Network </a:t>
+            </a:r>
+            <a:r>
+              <a:rPr lang="pt-PT" sz="1200" dirty="0" err="1"/>
+              <a:t>Repository</a:t>
+            </a:r>
+            <a:endParaRPr lang="pt-PT" sz="1200" dirty="0"/>
+          </a:p>
+          <a:p>
+            <a:pPr marL="171450" indent="-171450">
+              <a:buFont typeface="Arial" panose="020B0604020202020204" pitchFamily="34" charset="0"/>
+              <a:buChar char="•"/>
+            </a:pPr>
+            <a:r>
+              <a:rPr lang="pt-PT" sz="1200" dirty="0" err="1"/>
+              <a:t>UseCases</a:t>
+            </a:r>
+            <a:r>
+              <a:rPr lang="pt-PT" sz="1200" dirty="0"/>
+              <a:t> </a:t>
+            </a:r>
+            <a:r>
+              <a:rPr lang="pt-PT" sz="1200" dirty="0" err="1"/>
+              <a:t>will</a:t>
+            </a:r>
+            <a:r>
+              <a:rPr lang="pt-PT" sz="1200" dirty="0"/>
+              <a:t> </a:t>
+            </a:r>
+            <a:r>
+              <a:rPr lang="pt-PT" sz="1200" dirty="0" err="1"/>
+              <a:t>typically</a:t>
+            </a:r>
+            <a:r>
+              <a:rPr lang="pt-PT" sz="1200" dirty="0"/>
+              <a:t> </a:t>
+            </a:r>
+            <a:r>
+              <a:rPr lang="pt-PT" sz="1200" dirty="0" err="1"/>
+              <a:t>comunitace</a:t>
+            </a:r>
+            <a:r>
+              <a:rPr lang="pt-PT" sz="1200" dirty="0"/>
+              <a:t> </a:t>
+            </a:r>
+            <a:r>
+              <a:rPr lang="pt-PT" sz="1200" dirty="0" err="1"/>
+              <a:t>with</a:t>
+            </a:r>
+            <a:r>
+              <a:rPr lang="pt-PT" sz="1200" dirty="0"/>
+              <a:t> 1 </a:t>
+            </a:r>
+            <a:r>
+              <a:rPr lang="pt-PT" sz="1200" dirty="0" err="1"/>
+              <a:t>NetworkRepository</a:t>
+            </a:r>
+            <a:r>
+              <a:rPr lang="pt-PT" sz="1200" dirty="0"/>
+              <a:t> </a:t>
+            </a:r>
+            <a:r>
+              <a:rPr lang="pt-PT" sz="1200" dirty="0" err="1"/>
+              <a:t>only</a:t>
+            </a:r>
+            <a:r>
+              <a:rPr lang="pt-PT" sz="1200" dirty="0"/>
+              <a:t>; </a:t>
+            </a:r>
+            <a:r>
+              <a:rPr lang="pt-PT" sz="1200" dirty="0" err="1"/>
+              <a:t>but</a:t>
+            </a:r>
+            <a:r>
+              <a:rPr lang="pt-PT" sz="1200" dirty="0"/>
+              <a:t> in some cases a </a:t>
+            </a:r>
+            <a:r>
+              <a:rPr lang="pt-PT" sz="1200" dirty="0" err="1"/>
               <a:t>UseCase</a:t>
             </a:r>
             <a:r>
               <a:rPr lang="pt-PT" sz="1200" dirty="0"/>
-              <a:t> can </a:t>
-            </a:r>
-            <a:r>
-              <a:rPr lang="pt-PT" sz="1200" dirty="0" err="1"/>
-              <a:t>be</a:t>
-            </a:r>
-            <a:r>
-              <a:rPr lang="pt-PT" sz="1200" dirty="0"/>
               <a:t> </a:t>
             </a:r>
             <a:r>
               <a:rPr lang="pt-PT" sz="1200" dirty="0" err="1"/>
-              <a:t>know</a:t>
+              <a:t>migth</a:t>
             </a:r>
             <a:r>
               <a:rPr lang="pt-PT" sz="1200" dirty="0"/>
@@ -6457,7 +6654,15 @@
             </a:r>
             <a:r>
               <a:rPr lang="pt-PT" sz="1200" dirty="0" err="1"/>
-              <a:t>by</a:t>
+              <a:t>comunicate</a:t>
+            </a:r>
+            <a:r>
+              <a:rPr lang="pt-PT" sz="1200" dirty="0"/>
+              <a:t> </a:t>
+            </a:r>
+            <a:r>
+              <a:rPr lang="pt-PT" sz="1200" dirty="0" err="1"/>
+              <a:t>with</a:t>
             </a:r>
             <a:r>
               <a:rPr lang="pt-PT" sz="1200" dirty="0"/>
@@ -6469,15 +6674,7 @@
             </a:r>
             <a:r>
               <a:rPr lang="pt-PT" sz="1200" dirty="0"/>
-              <a:t> 1 </a:t>
-            </a:r>
-            <a:r>
-              <a:rPr lang="pt-PT" sz="1200" dirty="0" err="1"/>
-              <a:t>Presenter</a:t>
-            </a:r>
-            <a:r>
-              <a:rPr lang="pt-PT" sz="1200" dirty="0"/>
-              <a:t> (UC_B)</a:t>
+              <a:t> 1 NR</a:t>
             </a:r>
           </a:p>
           <a:p>
@@ -6486,622 +6683,6 @@
               <a:buChar char="•"/>
             </a:pPr>
             <a:endParaRPr lang="pt-PT" sz="1200" dirty="0"/>
-          </a:p>
-          <a:p>
-            <a:pPr marL="171450" indent="-171450">
-              <a:buFont typeface="Arial" panose="020B0604020202020204" pitchFamily="34" charset="0"/>
-              <a:buChar char="•"/>
-            </a:pPr>
-            <a:r>
-              <a:rPr lang="pt-PT" sz="1200" dirty="0" err="1"/>
-              <a:t>UseCases</a:t>
-            </a:r>
-            <a:r>
-              <a:rPr lang="pt-PT" sz="1200" dirty="0"/>
-              <a:t> </a:t>
-            </a:r>
-            <a:r>
-              <a:rPr lang="pt-PT" sz="1200" dirty="0" err="1"/>
-              <a:t>will</a:t>
-            </a:r>
-            <a:r>
-              <a:rPr lang="pt-PT" sz="1200" dirty="0"/>
-              <a:t> </a:t>
-            </a:r>
-            <a:r>
-              <a:rPr lang="pt-PT" sz="1200" dirty="0" err="1"/>
-              <a:t>be</a:t>
-            </a:r>
-            <a:r>
-              <a:rPr lang="pt-PT" sz="1200" dirty="0"/>
-              <a:t> </a:t>
-            </a:r>
-            <a:r>
-              <a:rPr lang="pt-PT" sz="1200" dirty="0" err="1"/>
-              <a:t>the</a:t>
-            </a:r>
-            <a:r>
-              <a:rPr lang="pt-PT" sz="1200" dirty="0"/>
-              <a:t> </a:t>
-            </a:r>
-            <a:r>
-              <a:rPr lang="pt-PT" sz="1200" dirty="0" err="1"/>
-              <a:t>brain</a:t>
-            </a:r>
-            <a:r>
-              <a:rPr lang="pt-PT" sz="1200" dirty="0"/>
-              <a:t> </a:t>
-            </a:r>
-            <a:r>
-              <a:rPr lang="pt-PT" sz="1200" dirty="0" err="1"/>
-              <a:t>of</a:t>
-            </a:r>
-            <a:r>
-              <a:rPr lang="pt-PT" sz="1200" dirty="0"/>
-              <a:t> </a:t>
-            </a:r>
-            <a:r>
-              <a:rPr lang="pt-PT" sz="1200" dirty="0" err="1"/>
-              <a:t>the</a:t>
-            </a:r>
-            <a:r>
-              <a:rPr lang="pt-PT" sz="1200" dirty="0"/>
-              <a:t> </a:t>
-            </a:r>
-            <a:r>
-              <a:rPr lang="pt-PT" sz="1200" dirty="0" err="1"/>
-              <a:t>app</a:t>
-            </a:r>
-            <a:r>
-              <a:rPr lang="pt-PT" sz="1200" dirty="0"/>
-              <a:t>, </a:t>
-            </a:r>
-            <a:r>
-              <a:rPr lang="pt-PT" sz="1200" dirty="0" err="1"/>
-              <a:t>and</a:t>
-            </a:r>
-            <a:r>
-              <a:rPr lang="pt-PT" sz="1200" dirty="0"/>
-              <a:t> </a:t>
-            </a:r>
-            <a:r>
-              <a:rPr lang="pt-PT" sz="1200" dirty="0" err="1"/>
-              <a:t>each</a:t>
-            </a:r>
-            <a:r>
-              <a:rPr lang="pt-PT" sz="1200" dirty="0"/>
-              <a:t> </a:t>
-            </a:r>
-            <a:r>
-              <a:rPr lang="pt-PT" sz="1200" dirty="0" err="1"/>
-              <a:t>one</a:t>
-            </a:r>
-            <a:r>
-              <a:rPr lang="pt-PT" sz="1200" dirty="0"/>
-              <a:t> </a:t>
-            </a:r>
-            <a:r>
-              <a:rPr lang="pt-PT" sz="1200" dirty="0" err="1"/>
-              <a:t>will</a:t>
-            </a:r>
-            <a:r>
-              <a:rPr lang="pt-PT" sz="1200" dirty="0"/>
-              <a:t> </a:t>
-            </a:r>
-            <a:r>
-              <a:rPr lang="pt-PT" sz="1200" dirty="0" err="1"/>
-              <a:t>know</a:t>
-            </a:r>
-            <a:r>
-              <a:rPr lang="pt-PT" sz="1200" dirty="0"/>
-              <a:t> </a:t>
-            </a:r>
-            <a:r>
-              <a:rPr lang="pt-PT" sz="1200" dirty="0" err="1"/>
-              <a:t>the</a:t>
-            </a:r>
-            <a:r>
-              <a:rPr lang="pt-PT" sz="1200" dirty="0"/>
-              <a:t> </a:t>
-            </a:r>
-            <a:r>
-              <a:rPr lang="pt-PT" sz="1200" dirty="0" err="1"/>
-              <a:t>related</a:t>
-            </a:r>
-            <a:r>
-              <a:rPr lang="pt-PT" sz="1200" dirty="0"/>
-              <a:t> Network </a:t>
-            </a:r>
-            <a:r>
-              <a:rPr lang="pt-PT" sz="1200" dirty="0" err="1"/>
-              <a:t>Repository</a:t>
-            </a:r>
-            <a:endParaRPr lang="pt-PT" sz="1200" dirty="0"/>
-          </a:p>
-          <a:p>
-            <a:pPr marL="171450" indent="-171450">
-              <a:buFont typeface="Arial" panose="020B0604020202020204" pitchFamily="34" charset="0"/>
-              <a:buChar char="•"/>
-            </a:pPr>
-            <a:r>
-              <a:rPr lang="pt-PT" sz="1200" dirty="0" err="1"/>
-              <a:t>UseCases</a:t>
-            </a:r>
-            <a:r>
-              <a:rPr lang="pt-PT" sz="1200" dirty="0"/>
-              <a:t> </a:t>
-            </a:r>
-            <a:r>
-              <a:rPr lang="pt-PT" sz="1200" dirty="0" err="1"/>
-              <a:t>will</a:t>
-            </a:r>
-            <a:r>
-              <a:rPr lang="pt-PT" sz="1200" dirty="0"/>
-              <a:t> </a:t>
-            </a:r>
-            <a:r>
-              <a:rPr lang="pt-PT" sz="1200" dirty="0" err="1"/>
-              <a:t>typically</a:t>
-            </a:r>
-            <a:r>
-              <a:rPr lang="pt-PT" sz="1200" dirty="0"/>
-              <a:t> </a:t>
-            </a:r>
-            <a:r>
-              <a:rPr lang="pt-PT" sz="1200" dirty="0" err="1"/>
-              <a:t>comunitace</a:t>
-            </a:r>
-            <a:r>
-              <a:rPr lang="pt-PT" sz="1200" dirty="0"/>
-              <a:t> </a:t>
-            </a:r>
-            <a:r>
-              <a:rPr lang="pt-PT" sz="1200" dirty="0" err="1"/>
-              <a:t>with</a:t>
-            </a:r>
-            <a:r>
-              <a:rPr lang="pt-PT" sz="1200" dirty="0"/>
-              <a:t> 1 </a:t>
-            </a:r>
-            <a:r>
-              <a:rPr lang="pt-PT" sz="1200" dirty="0" err="1"/>
-              <a:t>NetworkRepository</a:t>
-            </a:r>
-            <a:r>
-              <a:rPr lang="pt-PT" sz="1200" dirty="0"/>
-              <a:t> </a:t>
-            </a:r>
-            <a:r>
-              <a:rPr lang="pt-PT" sz="1200" dirty="0" err="1"/>
-              <a:t>only</a:t>
-            </a:r>
-            <a:r>
-              <a:rPr lang="pt-PT" sz="1200" dirty="0"/>
-              <a:t>; </a:t>
-            </a:r>
-            <a:r>
-              <a:rPr lang="pt-PT" sz="1200" dirty="0" err="1"/>
-              <a:t>but</a:t>
-            </a:r>
-            <a:r>
-              <a:rPr lang="pt-PT" sz="1200" dirty="0"/>
-              <a:t> in some cases a </a:t>
-            </a:r>
-            <a:r>
-              <a:rPr lang="pt-PT" sz="1200" dirty="0" err="1"/>
-              <a:t>UseCase</a:t>
-            </a:r>
-            <a:r>
-              <a:rPr lang="pt-PT" sz="1200" dirty="0"/>
-              <a:t> </a:t>
-            </a:r>
-            <a:r>
-              <a:rPr lang="pt-PT" sz="1200" dirty="0" err="1"/>
-              <a:t>migth</a:t>
-            </a:r>
-            <a:r>
-              <a:rPr lang="pt-PT" sz="1200" dirty="0"/>
-              <a:t> </a:t>
-            </a:r>
-            <a:r>
-              <a:rPr lang="pt-PT" sz="1200" dirty="0" err="1"/>
-              <a:t>comunicate</a:t>
-            </a:r>
-            <a:r>
-              <a:rPr lang="pt-PT" sz="1200" dirty="0"/>
-              <a:t> </a:t>
-            </a:r>
-            <a:r>
-              <a:rPr lang="pt-PT" sz="1200" dirty="0" err="1"/>
-              <a:t>with</a:t>
-            </a:r>
-            <a:r>
-              <a:rPr lang="pt-PT" sz="1200" dirty="0"/>
-              <a:t> more </a:t>
-            </a:r>
-            <a:r>
-              <a:rPr lang="pt-PT" sz="1200" dirty="0" err="1"/>
-              <a:t>than</a:t>
-            </a:r>
-            <a:r>
-              <a:rPr lang="pt-PT" sz="1200" dirty="0"/>
-              <a:t> 1 NR. </a:t>
-            </a:r>
-            <a:r>
-              <a:rPr lang="pt-PT" sz="1200" dirty="0" err="1"/>
-              <a:t>Example</a:t>
-            </a:r>
-            <a:r>
-              <a:rPr lang="pt-PT" sz="1200" dirty="0"/>
-              <a:t> : “</a:t>
-            </a:r>
-            <a:r>
-              <a:rPr lang="pt-PT" sz="1200" dirty="0" err="1"/>
-              <a:t>Read</a:t>
-            </a:r>
-            <a:r>
-              <a:rPr lang="pt-PT" sz="1200" dirty="0"/>
-              <a:t> QRCode” </a:t>
-            </a:r>
-            <a:r>
-              <a:rPr lang="pt-PT" sz="1200" dirty="0" err="1"/>
-              <a:t>will</a:t>
-            </a:r>
-            <a:r>
-              <a:rPr lang="pt-PT" sz="1200" dirty="0"/>
-              <a:t> </a:t>
-            </a:r>
-            <a:r>
-              <a:rPr lang="pt-PT" sz="1200" dirty="0" err="1"/>
-              <a:t>comunicate</a:t>
-            </a:r>
-            <a:r>
-              <a:rPr lang="pt-PT" sz="1200" dirty="0"/>
-              <a:t> </a:t>
-            </a:r>
-            <a:r>
-              <a:rPr lang="pt-PT" sz="1200" dirty="0" err="1"/>
-              <a:t>with</a:t>
-            </a:r>
-            <a:r>
-              <a:rPr lang="pt-PT" sz="1200" dirty="0"/>
-              <a:t> </a:t>
-            </a:r>
-            <a:r>
-              <a:rPr lang="pt-PT" sz="1200" dirty="0" err="1"/>
-              <a:t>InstitutionEvent</a:t>
-            </a:r>
-            <a:r>
-              <a:rPr lang="pt-PT" sz="1200" dirty="0"/>
-              <a:t> NR </a:t>
-            </a:r>
-            <a:r>
-              <a:rPr lang="pt-PT" sz="1200" dirty="0" err="1"/>
-              <a:t>and</a:t>
-            </a:r>
-            <a:r>
-              <a:rPr lang="pt-PT" sz="1200" dirty="0"/>
-              <a:t> </a:t>
-            </a:r>
-            <a:r>
-              <a:rPr lang="pt-PT" sz="1200" dirty="0" err="1"/>
-              <a:t>if</a:t>
-            </a:r>
-            <a:r>
-              <a:rPr lang="pt-PT" sz="1200" dirty="0"/>
-              <a:t> </a:t>
-            </a:r>
-            <a:r>
-              <a:rPr lang="pt-PT" sz="1200" dirty="0" err="1"/>
-              <a:t>there</a:t>
-            </a:r>
-            <a:r>
-              <a:rPr lang="pt-PT" sz="1200" dirty="0"/>
-              <a:t> </a:t>
-            </a:r>
-            <a:r>
-              <a:rPr lang="pt-PT" sz="1200" dirty="0" err="1"/>
-              <a:t>is</a:t>
-            </a:r>
-            <a:r>
-              <a:rPr lang="pt-PT" sz="1200" dirty="0"/>
-              <a:t> </a:t>
-            </a:r>
-            <a:r>
-              <a:rPr lang="pt-PT" sz="1200" dirty="0" err="1"/>
-              <a:t>sucess</a:t>
-            </a:r>
-            <a:r>
-              <a:rPr lang="pt-PT" sz="1200" dirty="0"/>
-              <a:t> </a:t>
-            </a:r>
-            <a:r>
-              <a:rPr lang="pt-PT" sz="1200" dirty="0" err="1"/>
-              <a:t>will</a:t>
-            </a:r>
-            <a:r>
-              <a:rPr lang="pt-PT" sz="1200" dirty="0"/>
-              <a:t> </a:t>
-            </a:r>
-            <a:r>
-              <a:rPr lang="pt-PT" sz="1200" dirty="0" err="1"/>
-              <a:t>comunicate</a:t>
-            </a:r>
-            <a:r>
-              <a:rPr lang="pt-PT" sz="1200" dirty="0"/>
-              <a:t> </a:t>
-            </a:r>
-            <a:r>
-              <a:rPr lang="pt-PT" sz="1200" dirty="0" err="1"/>
-              <a:t>with</a:t>
-            </a:r>
-            <a:r>
-              <a:rPr lang="pt-PT" sz="1200" dirty="0"/>
-              <a:t> </a:t>
-            </a:r>
-            <a:r>
-              <a:rPr lang="pt-PT" sz="1200" dirty="0" err="1"/>
-              <a:t>User</a:t>
-            </a:r>
-            <a:r>
-              <a:rPr lang="pt-PT" sz="1200" dirty="0"/>
-              <a:t> NR to </a:t>
-            </a:r>
-            <a:r>
-              <a:rPr lang="pt-PT" sz="1200" dirty="0" err="1"/>
-              <a:t>refresh</a:t>
-            </a:r>
-            <a:r>
-              <a:rPr lang="pt-PT" sz="1200" dirty="0"/>
-              <a:t> </a:t>
-            </a:r>
-            <a:r>
-              <a:rPr lang="pt-PT" sz="1200" dirty="0" err="1"/>
-              <a:t>user</a:t>
-            </a:r>
-            <a:r>
-              <a:rPr lang="pt-PT" sz="1200" dirty="0"/>
-              <a:t> </a:t>
-            </a:r>
-            <a:r>
-              <a:rPr lang="pt-PT" sz="1200" dirty="0" err="1"/>
-              <a:t>points</a:t>
-            </a:r>
-            <a:r>
-              <a:rPr lang="pt-PT" sz="1200" dirty="0"/>
-              <a:t>.</a:t>
-            </a:r>
-          </a:p>
-          <a:p>
-            <a:pPr marL="171450" indent="-171450">
-              <a:buFont typeface="Arial" panose="020B0604020202020204" pitchFamily="34" charset="0"/>
-              <a:buChar char="•"/>
-            </a:pPr>
-            <a:endParaRPr lang="pt-PT" sz="1200" dirty="0"/>
-          </a:p>
-          <a:p>
-            <a:pPr marL="171450" indent="-171450">
-              <a:buFont typeface="Arial" panose="020B0604020202020204" pitchFamily="34" charset="0"/>
-              <a:buChar char="•"/>
-            </a:pPr>
-            <a:r>
-              <a:rPr lang="pt-PT" sz="1200" dirty="0" err="1"/>
-              <a:t>Exists</a:t>
-            </a:r>
-            <a:r>
-              <a:rPr lang="pt-PT" sz="1200" dirty="0"/>
-              <a:t> 1 Network </a:t>
-            </a:r>
-            <a:r>
-              <a:rPr lang="pt-PT" sz="1200" dirty="0" err="1"/>
-              <a:t>Repository</a:t>
-            </a:r>
-            <a:r>
-              <a:rPr lang="pt-PT" sz="1200" dirty="0"/>
-              <a:t> for </a:t>
-            </a:r>
-            <a:r>
-              <a:rPr lang="pt-PT" sz="1200" dirty="0" err="1"/>
-              <a:t>each</a:t>
-            </a:r>
-            <a:r>
-              <a:rPr lang="pt-PT" sz="1200" dirty="0"/>
-              <a:t> </a:t>
-            </a:r>
-            <a:r>
-              <a:rPr lang="pt-PT" sz="1200" dirty="0" err="1"/>
-              <a:t>WebAPI</a:t>
-            </a:r>
-            <a:r>
-              <a:rPr lang="pt-PT" sz="1200" dirty="0"/>
-              <a:t> </a:t>
-            </a:r>
-            <a:r>
-              <a:rPr lang="pt-PT" sz="1200" dirty="0" err="1"/>
-              <a:t>domain</a:t>
-            </a:r>
-            <a:r>
-              <a:rPr lang="pt-PT" sz="1200" dirty="0"/>
-              <a:t> (</a:t>
-            </a:r>
-            <a:r>
-              <a:rPr lang="pt-PT" sz="1200" dirty="0" err="1"/>
-              <a:t>Account</a:t>
-            </a:r>
-            <a:r>
-              <a:rPr lang="pt-PT" sz="1200" dirty="0"/>
-              <a:t>, Quis, Vouchers...) </a:t>
-            </a:r>
-            <a:r>
-              <a:rPr lang="pt-PT" sz="1200" dirty="0" err="1"/>
-              <a:t>and</a:t>
-            </a:r>
-            <a:r>
-              <a:rPr lang="pt-PT" sz="1200" dirty="0"/>
-              <a:t> </a:t>
-            </a:r>
-            <a:r>
-              <a:rPr lang="pt-PT" sz="1200" dirty="0" err="1"/>
-              <a:t>same</a:t>
-            </a:r>
-            <a:r>
-              <a:rPr lang="pt-PT" sz="1200" dirty="0"/>
-              <a:t> NR can </a:t>
-            </a:r>
-            <a:r>
-              <a:rPr lang="pt-PT" sz="1200" dirty="0" err="1"/>
-              <a:t>have</a:t>
-            </a:r>
-            <a:r>
-              <a:rPr lang="pt-PT" sz="1200" dirty="0"/>
-              <a:t> more </a:t>
-            </a:r>
-            <a:r>
-              <a:rPr lang="pt-PT" sz="1200" dirty="0" err="1"/>
-              <a:t>than</a:t>
-            </a:r>
-            <a:r>
-              <a:rPr lang="pt-PT" sz="1200" dirty="0"/>
-              <a:t> 1 API </a:t>
-            </a:r>
-            <a:r>
-              <a:rPr lang="pt-PT" sz="1200" dirty="0" err="1"/>
-              <a:t>request</a:t>
-            </a:r>
-            <a:endParaRPr lang="pt-PT" sz="1200" dirty="0"/>
-          </a:p>
-          <a:p>
-            <a:pPr marL="171450" indent="-171450">
-              <a:buFont typeface="Arial" panose="020B0604020202020204" pitchFamily="34" charset="0"/>
-              <a:buChar char="•"/>
-            </a:pPr>
-            <a:endParaRPr lang="pt-PT" sz="1200" dirty="0"/>
-          </a:p>
-          <a:p>
-            <a:pPr marL="171450" indent="-171450">
-              <a:buFont typeface="Arial" panose="020B0604020202020204" pitchFamily="34" charset="0"/>
-              <a:buChar char="•"/>
-            </a:pPr>
-            <a:r>
-              <a:rPr lang="pt-PT" sz="1200" dirty="0" err="1"/>
-              <a:t>Its</a:t>
-            </a:r>
-            <a:r>
-              <a:rPr lang="pt-PT" sz="1200" dirty="0"/>
-              <a:t> </a:t>
-            </a:r>
-            <a:r>
-              <a:rPr lang="pt-PT" sz="1200" dirty="0" err="1"/>
-              <a:t>possible</a:t>
-            </a:r>
-            <a:r>
-              <a:rPr lang="pt-PT" sz="1200" dirty="0"/>
-              <a:t> </a:t>
-            </a:r>
-            <a:r>
-              <a:rPr lang="pt-PT" sz="1200" dirty="0" err="1"/>
-              <a:t>that</a:t>
-            </a:r>
-            <a:r>
-              <a:rPr lang="pt-PT" sz="1200" dirty="0"/>
-              <a:t> </a:t>
-            </a:r>
-            <a:r>
-              <a:rPr lang="pt-PT" sz="1200" dirty="0" err="1"/>
-              <a:t>we</a:t>
-            </a:r>
-            <a:r>
-              <a:rPr lang="pt-PT" sz="1200" dirty="0"/>
-              <a:t> can </a:t>
-            </a:r>
-            <a:r>
-              <a:rPr lang="pt-PT" sz="1200" dirty="0" err="1"/>
-              <a:t>have</a:t>
-            </a:r>
-            <a:r>
-              <a:rPr lang="pt-PT" sz="1200" dirty="0"/>
-              <a:t> Use Cases </a:t>
-            </a:r>
-            <a:r>
-              <a:rPr lang="pt-PT" sz="1200" dirty="0" err="1"/>
-              <a:t>that</a:t>
-            </a:r>
-            <a:r>
-              <a:rPr lang="pt-PT" sz="1200" dirty="0"/>
-              <a:t> are </a:t>
-            </a:r>
-            <a:r>
-              <a:rPr lang="pt-PT" sz="1200" dirty="0" err="1"/>
-              <a:t>not</a:t>
-            </a:r>
-            <a:r>
-              <a:rPr lang="pt-PT" sz="1200" dirty="0"/>
-              <a:t> </a:t>
-            </a:r>
-            <a:r>
-              <a:rPr lang="pt-PT" sz="1200" dirty="0" err="1"/>
-              <a:t>related</a:t>
-            </a:r>
-            <a:r>
-              <a:rPr lang="pt-PT" sz="1200" dirty="0"/>
-              <a:t> </a:t>
-            </a:r>
-            <a:r>
-              <a:rPr lang="pt-PT" sz="1200" dirty="0" err="1"/>
-              <a:t>with</a:t>
-            </a:r>
-            <a:r>
-              <a:rPr lang="pt-PT" sz="1200" dirty="0"/>
-              <a:t> </a:t>
-            </a:r>
-            <a:r>
-              <a:rPr lang="pt-PT" sz="1200" dirty="0" err="1"/>
-              <a:t>any</a:t>
-            </a:r>
-            <a:r>
-              <a:rPr lang="pt-PT" sz="1200" dirty="0"/>
-              <a:t> Network </a:t>
-            </a:r>
-            <a:r>
-              <a:rPr lang="pt-PT" sz="1200" dirty="0" err="1"/>
-              <a:t>Repository</a:t>
-            </a:r>
-            <a:r>
-              <a:rPr lang="pt-PT" sz="1200" dirty="0"/>
-              <a:t> (</a:t>
-            </a:r>
-            <a:r>
-              <a:rPr lang="pt-PT" sz="1200" dirty="0" err="1"/>
-              <a:t>cant</a:t>
-            </a:r>
-            <a:r>
-              <a:rPr lang="pt-PT" sz="1200" dirty="0"/>
-              <a:t> </a:t>
-            </a:r>
-            <a:r>
-              <a:rPr lang="pt-PT" sz="1200" dirty="0" err="1"/>
-              <a:t>give</a:t>
-            </a:r>
-            <a:r>
-              <a:rPr lang="pt-PT" sz="1200" dirty="0"/>
-              <a:t> na exemple </a:t>
-            </a:r>
-            <a:r>
-              <a:rPr lang="pt-PT" sz="1200" dirty="0" err="1"/>
-              <a:t>rigth</a:t>
-            </a:r>
-            <a:r>
-              <a:rPr lang="pt-PT" sz="1200" dirty="0"/>
-              <a:t> </a:t>
-            </a:r>
-            <a:r>
-              <a:rPr lang="pt-PT" sz="1200" dirty="0" err="1"/>
-              <a:t>now</a:t>
-            </a:r>
-            <a:r>
-              <a:rPr lang="pt-PT" sz="1200" dirty="0"/>
-              <a:t>)</a:t>
-            </a:r>
           </a:p>
         </p:txBody>
       </p:sp>
